--- a/immagini.pptx
+++ b/immagini.pptx
@@ -15,6 +15,8 @@
     <p:sldId id="265" r:id="rId9"/>
     <p:sldId id="262" r:id="rId10"/>
     <p:sldId id="263" r:id="rId11"/>
+    <p:sldId id="266" r:id="rId12"/>
+    <p:sldId id="267" r:id="rId13"/>
   </p:sldIdLst>
   <p:sldSz cx="12192000" cy="6858000"/>
   <p:notesSz cx="6858000" cy="9144000"/>
@@ -3366,8 +3368,8 @@
           </a:p>
         </p:txBody>
       </p:sp>
-      <mc:AlternateContent xmlns:mc="http://schemas.openxmlformats.org/markup-compatibility/2006">
-        <mc:Choice xmlns:a14="http://schemas.microsoft.com/office/drawing/2010/main" Requires="a14">
+      <mc:AlternateContent xmlns:mc="http://schemas.openxmlformats.org/markup-compatibility/2006" xmlns:a14="http://schemas.microsoft.com/office/drawing/2010/main">
+        <mc:Choice Requires="a14">
           <p:sp>
             <p:nvSpPr>
               <p:cNvPr id="24" name="Snip Same Side Corner Rectangle 23"/>
@@ -3438,7 +3440,7 @@
             </p:txBody>
           </p:sp>
         </mc:Choice>
-        <mc:Fallback>
+        <mc:Fallback xmlns="">
           <p:sp>
             <p:nvSpPr>
               <p:cNvPr id="24" name="Snip Same Side Corner Rectangle 23"/>
@@ -3482,8 +3484,8 @@
           </p:sp>
         </mc:Fallback>
       </mc:AlternateContent>
-      <mc:AlternateContent xmlns:mc="http://schemas.openxmlformats.org/markup-compatibility/2006">
-        <mc:Choice xmlns:a14="http://schemas.microsoft.com/office/drawing/2010/main" Requires="a14">
+      <mc:AlternateContent xmlns:mc="http://schemas.openxmlformats.org/markup-compatibility/2006" xmlns:a14="http://schemas.microsoft.com/office/drawing/2010/main">
+        <mc:Choice Requires="a14">
           <p:sp>
             <p:nvSpPr>
               <p:cNvPr id="25" name="Snip Same Side Corner Rectangle 24"/>
@@ -3554,7 +3556,7 @@
             </p:txBody>
           </p:sp>
         </mc:Choice>
-        <mc:Fallback>
+        <mc:Fallback xmlns="">
           <p:sp>
             <p:nvSpPr>
               <p:cNvPr id="25" name="Snip Same Side Corner Rectangle 24"/>
@@ -3598,8 +3600,8 @@
           </p:sp>
         </mc:Fallback>
       </mc:AlternateContent>
-      <mc:AlternateContent xmlns:mc="http://schemas.openxmlformats.org/markup-compatibility/2006">
-        <mc:Choice xmlns:a14="http://schemas.microsoft.com/office/drawing/2010/main" Requires="a14">
+      <mc:AlternateContent xmlns:mc="http://schemas.openxmlformats.org/markup-compatibility/2006" xmlns:a14="http://schemas.microsoft.com/office/drawing/2010/main">
+        <mc:Choice Requires="a14">
           <p:sp>
             <p:nvSpPr>
               <p:cNvPr id="26" name="Snip Same Side Corner Rectangle 25"/>
@@ -3670,7 +3672,7 @@
             </p:txBody>
           </p:sp>
         </mc:Choice>
-        <mc:Fallback>
+        <mc:Fallback xmlns="">
           <p:sp>
             <p:nvSpPr>
               <p:cNvPr id="26" name="Snip Same Side Corner Rectangle 25"/>
@@ -3718,6 +3720,1226 @@
     <p:extLst>
       <p:ext uri="{BB962C8B-B14F-4D97-AF65-F5344CB8AC3E}">
         <p14:creationId xmlns:p14="http://schemas.microsoft.com/office/powerpoint/2010/main" val="544642428"/>
+      </p:ext>
+    </p:extLst>
+  </p:cSld>
+  <p:clrMapOvr>
+    <a:masterClrMapping/>
+  </p:clrMapOvr>
+</p:sld>
+</file>
+
+<file path=ppt/slides/slide11.xml><?xml version="1.0" encoding="utf-8"?>
+<p:sld xmlns:a="http://schemas.openxmlformats.org/drawingml/2006/main" xmlns:r="http://schemas.openxmlformats.org/officeDocument/2006/relationships" xmlns:p="http://schemas.openxmlformats.org/presentationml/2006/main">
+  <p:cSld>
+    <p:spTree>
+      <p:nvGrpSpPr>
+        <p:cNvPr id="1" name=""/>
+        <p:cNvGrpSpPr/>
+        <p:nvPr/>
+      </p:nvGrpSpPr>
+      <p:grpSpPr>
+        <a:xfrm>
+          <a:off x="0" y="0"/>
+          <a:ext cx="0" cy="0"/>
+          <a:chOff x="0" y="0"/>
+          <a:chExt cx="0" cy="0"/>
+        </a:xfrm>
+      </p:grpSpPr>
+      <p:sp>
+        <p:nvSpPr>
+          <p:cNvPr id="4" name="Rectangle 3"/>
+          <p:cNvSpPr/>
+          <p:nvPr/>
+        </p:nvSpPr>
+        <p:spPr>
+          <a:xfrm rot="5400000">
+            <a:off x="5454247" y="938896"/>
+            <a:ext cx="118277" cy="3053442"/>
+          </a:xfrm>
+          <a:prstGeom prst="rect">
+            <a:avLst/>
+          </a:prstGeom>
+          <a:solidFill>
+            <a:schemeClr val="tx1">
+              <a:lumMod val="95000"/>
+              <a:lumOff val="5000"/>
+            </a:schemeClr>
+          </a:solidFill>
+          <a:ln>
+            <a:solidFill>
+              <a:schemeClr val="tx1">
+                <a:lumMod val="95000"/>
+                <a:lumOff val="5000"/>
+              </a:schemeClr>
+            </a:solidFill>
+          </a:ln>
+        </p:spPr>
+        <p:style>
+          <a:lnRef idx="2">
+            <a:schemeClr val="accent1">
+              <a:shade val="50000"/>
+            </a:schemeClr>
+          </a:lnRef>
+          <a:fillRef idx="1">
+            <a:schemeClr val="accent1"/>
+          </a:fillRef>
+          <a:effectRef idx="0">
+            <a:schemeClr val="accent1"/>
+          </a:effectRef>
+          <a:fontRef idx="minor">
+            <a:schemeClr val="lt1"/>
+          </a:fontRef>
+        </p:style>
+        <p:txBody>
+          <a:bodyPr rtlCol="0" anchor="ctr"/>
+          <a:lstStyle/>
+          <a:p>
+            <a:pPr algn="ctr"/>
+            <a:endParaRPr lang="en-US"/>
+          </a:p>
+        </p:txBody>
+      </p:sp>
+      <p:sp>
+        <p:nvSpPr>
+          <p:cNvPr id="5" name="Rectangle 4"/>
+          <p:cNvSpPr/>
+          <p:nvPr/>
+        </p:nvSpPr>
+        <p:spPr>
+          <a:xfrm>
+            <a:off x="5442557" y="1845129"/>
+            <a:ext cx="118277" cy="3053442"/>
+          </a:xfrm>
+          <a:prstGeom prst="rect">
+            <a:avLst/>
+          </a:prstGeom>
+          <a:solidFill>
+            <a:schemeClr val="tx1">
+              <a:lumMod val="95000"/>
+              <a:lumOff val="5000"/>
+            </a:schemeClr>
+          </a:solidFill>
+          <a:ln>
+            <a:solidFill>
+              <a:schemeClr val="tx1">
+                <a:lumMod val="95000"/>
+                <a:lumOff val="5000"/>
+              </a:schemeClr>
+            </a:solidFill>
+          </a:ln>
+        </p:spPr>
+        <p:style>
+          <a:lnRef idx="2">
+            <a:schemeClr val="accent1">
+              <a:shade val="50000"/>
+            </a:schemeClr>
+          </a:lnRef>
+          <a:fillRef idx="1">
+            <a:schemeClr val="accent1"/>
+          </a:fillRef>
+          <a:effectRef idx="0">
+            <a:schemeClr val="accent1"/>
+          </a:effectRef>
+          <a:fontRef idx="minor">
+            <a:schemeClr val="lt1"/>
+          </a:fontRef>
+        </p:style>
+        <p:txBody>
+          <a:bodyPr rtlCol="0" anchor="ctr"/>
+          <a:lstStyle/>
+          <a:p>
+            <a:pPr algn="ctr"/>
+            <a:endParaRPr lang="en-US"/>
+          </a:p>
+        </p:txBody>
+      </p:sp>
+      <p:sp>
+        <p:nvSpPr>
+          <p:cNvPr id="6" name="Rectangle 5"/>
+          <p:cNvSpPr/>
+          <p:nvPr/>
+        </p:nvSpPr>
+        <p:spPr>
+          <a:xfrm>
+            <a:off x="4544330" y="2710543"/>
+            <a:ext cx="1938113" cy="1900601"/>
+          </a:xfrm>
+          <a:prstGeom prst="rect">
+            <a:avLst/>
+          </a:prstGeom>
+        </p:spPr>
+        <p:style>
+          <a:lnRef idx="2">
+            <a:schemeClr val="accent1">
+              <a:shade val="50000"/>
+            </a:schemeClr>
+          </a:lnRef>
+          <a:fillRef idx="1">
+            <a:schemeClr val="accent1"/>
+          </a:fillRef>
+          <a:effectRef idx="0">
+            <a:schemeClr val="accent1"/>
+          </a:effectRef>
+          <a:fontRef idx="minor">
+            <a:schemeClr val="lt1"/>
+          </a:fontRef>
+        </p:style>
+        <p:txBody>
+          <a:bodyPr rtlCol="0" anchor="ctr"/>
+          <a:lstStyle/>
+          <a:p>
+            <a:pPr algn="ctr"/>
+            <a:endParaRPr lang="en-US"/>
+          </a:p>
+        </p:txBody>
+      </p:sp>
+      <p:sp>
+        <p:nvSpPr>
+          <p:cNvPr id="7" name="Can 6"/>
+          <p:cNvSpPr/>
+          <p:nvPr/>
+        </p:nvSpPr>
+        <p:spPr>
+          <a:xfrm rot="16200000">
+            <a:off x="3635687" y="3581186"/>
+            <a:ext cx="1550488" cy="266400"/>
+          </a:xfrm>
+          <a:prstGeom prst="can">
+            <a:avLst>
+              <a:gd name="adj" fmla="val 50000"/>
+            </a:avLst>
+          </a:prstGeom>
+        </p:spPr>
+        <p:style>
+          <a:lnRef idx="2">
+            <a:schemeClr val="accent1">
+              <a:shade val="50000"/>
+            </a:schemeClr>
+          </a:lnRef>
+          <a:fillRef idx="1">
+            <a:schemeClr val="accent1"/>
+          </a:fillRef>
+          <a:effectRef idx="0">
+            <a:schemeClr val="accent1"/>
+          </a:effectRef>
+          <a:fontRef idx="minor">
+            <a:schemeClr val="lt1"/>
+          </a:fontRef>
+        </p:style>
+        <p:txBody>
+          <a:bodyPr rtlCol="0" anchor="ctr"/>
+          <a:lstStyle/>
+          <a:p>
+            <a:pPr algn="ctr"/>
+            <a:endParaRPr lang="en-US"/>
+          </a:p>
+        </p:txBody>
+      </p:sp>
+      <p:sp>
+        <p:nvSpPr>
+          <p:cNvPr id="8" name="Can 7"/>
+          <p:cNvSpPr/>
+          <p:nvPr/>
+        </p:nvSpPr>
+        <p:spPr>
+          <a:xfrm rot="5400000">
+            <a:off x="5825309" y="3610593"/>
+            <a:ext cx="1550488" cy="266400"/>
+          </a:xfrm>
+          <a:prstGeom prst="can">
+            <a:avLst>
+              <a:gd name="adj" fmla="val 50000"/>
+            </a:avLst>
+          </a:prstGeom>
+        </p:spPr>
+        <p:style>
+          <a:lnRef idx="2">
+            <a:schemeClr val="accent1">
+              <a:shade val="50000"/>
+            </a:schemeClr>
+          </a:lnRef>
+          <a:fillRef idx="1">
+            <a:schemeClr val="accent1"/>
+          </a:fillRef>
+          <a:effectRef idx="0">
+            <a:schemeClr val="accent1"/>
+          </a:effectRef>
+          <a:fontRef idx="minor">
+            <a:schemeClr val="lt1"/>
+          </a:fontRef>
+        </p:style>
+        <p:txBody>
+          <a:bodyPr rtlCol="0" anchor="ctr"/>
+          <a:lstStyle/>
+          <a:p>
+            <a:pPr algn="ctr"/>
+            <a:endParaRPr lang="en-US"/>
+          </a:p>
+        </p:txBody>
+      </p:sp>
+      <mc:AlternateContent xmlns:mc="http://schemas.openxmlformats.org/markup-compatibility/2006">
+        <mc:Choice xmlns:a14="http://schemas.microsoft.com/office/drawing/2010/main" Requires="a14">
+          <p:sp>
+            <p:nvSpPr>
+              <p:cNvPr id="9" name="Snip Same Side Corner Rectangle 8"/>
+              <p:cNvSpPr/>
+              <p:nvPr/>
+            </p:nvSpPr>
+            <p:spPr>
+              <a:xfrm>
+                <a:off x="4699111" y="2334985"/>
+                <a:ext cx="337606" cy="462646"/>
+              </a:xfrm>
+              <a:prstGeom prst="snip2SameRect">
+                <a:avLst/>
+              </a:prstGeom>
+              <a:solidFill>
+                <a:srgbClr val="92D050"/>
+              </a:solidFill>
+              <a:ln>
+                <a:solidFill>
+                  <a:srgbClr val="92D050"/>
+                </a:solidFill>
+              </a:ln>
+            </p:spPr>
+            <p:style>
+              <a:lnRef idx="2">
+                <a:schemeClr val="accent1">
+                  <a:shade val="50000"/>
+                </a:schemeClr>
+              </a:lnRef>
+              <a:fillRef idx="1">
+                <a:schemeClr val="accent1"/>
+              </a:fillRef>
+              <a:effectRef idx="0">
+                <a:schemeClr val="accent1"/>
+              </a:effectRef>
+              <a:fontRef idx="minor">
+                <a:schemeClr val="lt1"/>
+              </a:fontRef>
+            </p:style>
+            <p:txBody>
+              <a:bodyPr rtlCol="0" anchor="ctr"/>
+              <a:lstStyle/>
+              <a:p>
+                <a:pPr algn="ctr"/>
+                <a14:m>
+                  <m:oMathPara xmlns:m="http://schemas.openxmlformats.org/officeDocument/2006/math">
+                    <m:oMathParaPr>
+                      <m:jc m:val="center"/>
+                    </m:oMathParaPr>
+                    <m:oMath xmlns:m="http://schemas.openxmlformats.org/officeDocument/2006/math">
+                      <m:r>
+                        <a:rPr lang="it-IT" sz="3200" b="0" i="1" smtClean="0">
+                          <a:latin typeface="Cambria Math" charset="0"/>
+                        </a:rPr>
+                        <m:t> </m:t>
+                      </m:r>
+                      <m:r>
+                        <a:rPr lang="it-IT" sz="3200" b="0" i="1" smtClean="0">
+                          <a:latin typeface="Cambria Math" charset="0"/>
+                        </a:rPr>
+                        <m:t>𝐿</m:t>
+                      </m:r>
+                    </m:oMath>
+                  </m:oMathPara>
+                </a14:m>
+                <a:endParaRPr lang="en-US" sz="3200" dirty="0"/>
+              </a:p>
+            </p:txBody>
+          </p:sp>
+        </mc:Choice>
+        <mc:Fallback>
+          <p:sp>
+            <p:nvSpPr>
+              <p:cNvPr id="9" name="Snip Same Side Corner Rectangle 8"/>
+              <p:cNvSpPr>
+                <a:spLocks noRot="1" noChangeAspect="1" noMove="1" noResize="1" noEditPoints="1" noAdjustHandles="1" noChangeArrowheads="1" noChangeShapeType="1" noTextEdit="1"/>
+              </p:cNvSpPr>
+              <p:nvPr/>
+            </p:nvSpPr>
+            <p:spPr>
+              <a:xfrm>
+                <a:off x="4699111" y="2334985"/>
+                <a:ext cx="337606" cy="462646"/>
+              </a:xfrm>
+              <a:prstGeom prst="snip2SameRect">
+                <a:avLst/>
+              </a:prstGeom>
+              <a:blipFill rotWithShape="0">
+                <a:blip r:embed="rId2"/>
+                <a:stretch>
+                  <a:fillRect/>
+                </a:stretch>
+              </a:blipFill>
+              <a:ln>
+                <a:solidFill>
+                  <a:srgbClr val="92D050"/>
+                </a:solidFill>
+              </a:ln>
+            </p:spPr>
+            <p:txBody>
+              <a:bodyPr/>
+              <a:lstStyle/>
+              <a:p>
+                <a:r>
+                  <a:rPr lang="en-US">
+                    <a:noFill/>
+                  </a:rPr>
+                  <a:t> </a:t>
+                </a:r>
+              </a:p>
+            </p:txBody>
+          </p:sp>
+        </mc:Fallback>
+      </mc:AlternateContent>
+      <mc:AlternateContent xmlns:mc="http://schemas.openxmlformats.org/markup-compatibility/2006">
+        <mc:Choice xmlns:a14="http://schemas.microsoft.com/office/drawing/2010/main" Requires="a14">
+          <p:sp>
+            <p:nvSpPr>
+              <p:cNvPr id="10" name="Snip Same Side Corner Rectangle 9"/>
+              <p:cNvSpPr/>
+              <p:nvPr/>
+            </p:nvSpPr>
+            <p:spPr>
+              <a:xfrm>
+                <a:off x="5344583" y="2334983"/>
+                <a:ext cx="337606" cy="462646"/>
+              </a:xfrm>
+              <a:prstGeom prst="snip2SameRect">
+                <a:avLst/>
+              </a:prstGeom>
+              <a:solidFill>
+                <a:srgbClr val="92D050"/>
+              </a:solidFill>
+              <a:ln>
+                <a:solidFill>
+                  <a:srgbClr val="92D050"/>
+                </a:solidFill>
+              </a:ln>
+            </p:spPr>
+            <p:style>
+              <a:lnRef idx="2">
+                <a:schemeClr val="accent1">
+                  <a:shade val="50000"/>
+                </a:schemeClr>
+              </a:lnRef>
+              <a:fillRef idx="1">
+                <a:schemeClr val="accent1"/>
+              </a:fillRef>
+              <a:effectRef idx="0">
+                <a:schemeClr val="accent1"/>
+              </a:effectRef>
+              <a:fontRef idx="minor">
+                <a:schemeClr val="lt1"/>
+              </a:fontRef>
+            </p:style>
+            <p:txBody>
+              <a:bodyPr rtlCol="0" anchor="ctr"/>
+              <a:lstStyle/>
+              <a:p>
+                <a:pPr algn="ctr"/>
+                <a14:m>
+                  <m:oMathPara xmlns:m="http://schemas.openxmlformats.org/officeDocument/2006/math">
+                    <m:oMathParaPr>
+                      <m:jc m:val="center"/>
+                    </m:oMathParaPr>
+                    <m:oMath xmlns:m="http://schemas.openxmlformats.org/officeDocument/2006/math">
+                      <m:r>
+                        <a:rPr lang="it-IT" sz="3200" b="0" i="1" smtClean="0">
+                          <a:latin typeface="Cambria Math" charset="0"/>
+                        </a:rPr>
+                        <m:t> </m:t>
+                      </m:r>
+                      <m:r>
+                        <a:rPr lang="it-IT" sz="3200" b="0" i="1" smtClean="0">
+                          <a:latin typeface="Cambria Math" charset="0"/>
+                        </a:rPr>
+                        <m:t>𝐶</m:t>
+                      </m:r>
+                    </m:oMath>
+                  </m:oMathPara>
+                </a14:m>
+                <a:endParaRPr lang="en-US" sz="3200" dirty="0"/>
+              </a:p>
+            </p:txBody>
+          </p:sp>
+        </mc:Choice>
+        <mc:Fallback>
+          <p:sp>
+            <p:nvSpPr>
+              <p:cNvPr id="10" name="Snip Same Side Corner Rectangle 9"/>
+              <p:cNvSpPr>
+                <a:spLocks noRot="1" noChangeAspect="1" noMove="1" noResize="1" noEditPoints="1" noAdjustHandles="1" noChangeArrowheads="1" noChangeShapeType="1" noTextEdit="1"/>
+              </p:cNvSpPr>
+              <p:nvPr/>
+            </p:nvSpPr>
+            <p:spPr>
+              <a:xfrm>
+                <a:off x="5344583" y="2334983"/>
+                <a:ext cx="337606" cy="462646"/>
+              </a:xfrm>
+              <a:prstGeom prst="snip2SameRect">
+                <a:avLst/>
+              </a:prstGeom>
+              <a:blipFill rotWithShape="0">
+                <a:blip r:embed="rId3"/>
+                <a:stretch>
+                  <a:fillRect/>
+                </a:stretch>
+              </a:blipFill>
+              <a:ln>
+                <a:solidFill>
+                  <a:srgbClr val="92D050"/>
+                </a:solidFill>
+              </a:ln>
+            </p:spPr>
+            <p:txBody>
+              <a:bodyPr/>
+              <a:lstStyle/>
+              <a:p>
+                <a:r>
+                  <a:rPr lang="en-US">
+                    <a:noFill/>
+                  </a:rPr>
+                  <a:t> </a:t>
+                </a:r>
+              </a:p>
+            </p:txBody>
+          </p:sp>
+        </mc:Fallback>
+      </mc:AlternateContent>
+      <mc:AlternateContent xmlns:mc="http://schemas.openxmlformats.org/markup-compatibility/2006">
+        <mc:Choice xmlns:a14="http://schemas.microsoft.com/office/drawing/2010/main" Requires="a14">
+          <p:sp>
+            <p:nvSpPr>
+              <p:cNvPr id="11" name="Snip Same Side Corner Rectangle 10"/>
+              <p:cNvSpPr/>
+              <p:nvPr/>
+            </p:nvSpPr>
+            <p:spPr>
+              <a:xfrm>
+                <a:off x="5990055" y="2340423"/>
+                <a:ext cx="337606" cy="462646"/>
+              </a:xfrm>
+              <a:prstGeom prst="snip2SameRect">
+                <a:avLst/>
+              </a:prstGeom>
+              <a:solidFill>
+                <a:srgbClr val="92D050"/>
+              </a:solidFill>
+              <a:ln>
+                <a:solidFill>
+                  <a:srgbClr val="92D050"/>
+                </a:solidFill>
+              </a:ln>
+            </p:spPr>
+            <p:style>
+              <a:lnRef idx="2">
+                <a:schemeClr val="accent1">
+                  <a:shade val="50000"/>
+                </a:schemeClr>
+              </a:lnRef>
+              <a:fillRef idx="1">
+                <a:schemeClr val="accent1"/>
+              </a:fillRef>
+              <a:effectRef idx="0">
+                <a:schemeClr val="accent1"/>
+              </a:effectRef>
+              <a:fontRef idx="minor">
+                <a:schemeClr val="lt1"/>
+              </a:fontRef>
+            </p:style>
+            <p:txBody>
+              <a:bodyPr rtlCol="0" anchor="ctr"/>
+              <a:lstStyle/>
+              <a:p>
+                <a:pPr algn="ctr"/>
+                <a14:m>
+                  <m:oMathPara xmlns:m="http://schemas.openxmlformats.org/officeDocument/2006/math">
+                    <m:oMathParaPr>
+                      <m:jc m:val="center"/>
+                    </m:oMathParaPr>
+                    <m:oMath xmlns:m="http://schemas.openxmlformats.org/officeDocument/2006/math">
+                      <m:r>
+                        <a:rPr lang="it-IT" sz="3200" b="0" i="1" smtClean="0">
+                          <a:latin typeface="Cambria Math" charset="0"/>
+                        </a:rPr>
+                        <m:t> </m:t>
+                      </m:r>
+                      <m:r>
+                        <a:rPr lang="it-IT" sz="3200" b="0" i="1" smtClean="0">
+                          <a:latin typeface="Cambria Math" charset="0"/>
+                        </a:rPr>
+                        <m:t>𝑅</m:t>
+                      </m:r>
+                    </m:oMath>
+                  </m:oMathPara>
+                </a14:m>
+                <a:endParaRPr lang="en-US" sz="3200" dirty="0"/>
+              </a:p>
+            </p:txBody>
+          </p:sp>
+        </mc:Choice>
+        <mc:Fallback>
+          <p:sp>
+            <p:nvSpPr>
+              <p:cNvPr id="11" name="Snip Same Side Corner Rectangle 10"/>
+              <p:cNvSpPr>
+                <a:spLocks noRot="1" noChangeAspect="1" noMove="1" noResize="1" noEditPoints="1" noAdjustHandles="1" noChangeArrowheads="1" noChangeShapeType="1" noTextEdit="1"/>
+              </p:cNvSpPr>
+              <p:nvPr/>
+            </p:nvSpPr>
+            <p:spPr>
+              <a:xfrm>
+                <a:off x="5990055" y="2340423"/>
+                <a:ext cx="337606" cy="462646"/>
+              </a:xfrm>
+              <a:prstGeom prst="snip2SameRect">
+                <a:avLst/>
+              </a:prstGeom>
+              <a:blipFill rotWithShape="0">
+                <a:blip r:embed="rId4"/>
+                <a:stretch>
+                  <a:fillRect/>
+                </a:stretch>
+              </a:blipFill>
+              <a:ln>
+                <a:solidFill>
+                  <a:srgbClr val="92D050"/>
+                </a:solidFill>
+              </a:ln>
+            </p:spPr>
+            <p:txBody>
+              <a:bodyPr/>
+              <a:lstStyle/>
+              <a:p>
+                <a:r>
+                  <a:rPr lang="en-US">
+                    <a:noFill/>
+                  </a:rPr>
+                  <a:t> </a:t>
+                </a:r>
+              </a:p>
+            </p:txBody>
+          </p:sp>
+        </mc:Fallback>
+      </mc:AlternateContent>
+    </p:spTree>
+    <p:extLst>
+      <p:ext uri="{BB962C8B-B14F-4D97-AF65-F5344CB8AC3E}">
+        <p14:creationId xmlns:p14="http://schemas.microsoft.com/office/powerpoint/2010/main" val="2031292733"/>
+      </p:ext>
+    </p:extLst>
+  </p:cSld>
+  <p:clrMapOvr>
+    <a:masterClrMapping/>
+  </p:clrMapOvr>
+</p:sld>
+</file>
+
+<file path=ppt/slides/slide12.xml><?xml version="1.0" encoding="utf-8"?>
+<p:sld xmlns:a="http://schemas.openxmlformats.org/drawingml/2006/main" xmlns:r="http://schemas.openxmlformats.org/officeDocument/2006/relationships" xmlns:p="http://schemas.openxmlformats.org/presentationml/2006/main">
+  <p:cSld>
+    <p:spTree>
+      <p:nvGrpSpPr>
+        <p:cNvPr id="1" name=""/>
+        <p:cNvGrpSpPr/>
+        <p:nvPr/>
+      </p:nvGrpSpPr>
+      <p:grpSpPr>
+        <a:xfrm>
+          <a:off x="0" y="0"/>
+          <a:ext cx="0" cy="0"/>
+          <a:chOff x="0" y="0"/>
+          <a:chExt cx="0" cy="0"/>
+        </a:xfrm>
+      </p:grpSpPr>
+      <p:sp>
+        <p:nvSpPr>
+          <p:cNvPr id="4" name="Rectangle 3"/>
+          <p:cNvSpPr/>
+          <p:nvPr/>
+        </p:nvSpPr>
+        <p:spPr>
+          <a:xfrm rot="5400000">
+            <a:off x="3927526" y="938896"/>
+            <a:ext cx="118277" cy="3053442"/>
+          </a:xfrm>
+          <a:prstGeom prst="rect">
+            <a:avLst/>
+          </a:prstGeom>
+          <a:solidFill>
+            <a:schemeClr val="tx1">
+              <a:lumMod val="95000"/>
+              <a:lumOff val="5000"/>
+            </a:schemeClr>
+          </a:solidFill>
+          <a:ln>
+            <a:solidFill>
+              <a:schemeClr val="tx1">
+                <a:lumMod val="95000"/>
+                <a:lumOff val="5000"/>
+              </a:schemeClr>
+            </a:solidFill>
+          </a:ln>
+        </p:spPr>
+        <p:style>
+          <a:lnRef idx="2">
+            <a:schemeClr val="accent1">
+              <a:shade val="50000"/>
+            </a:schemeClr>
+          </a:lnRef>
+          <a:fillRef idx="1">
+            <a:schemeClr val="accent1"/>
+          </a:fillRef>
+          <a:effectRef idx="0">
+            <a:schemeClr val="accent1"/>
+          </a:effectRef>
+          <a:fontRef idx="minor">
+            <a:schemeClr val="lt1"/>
+          </a:fontRef>
+        </p:style>
+        <p:txBody>
+          <a:bodyPr rtlCol="0" anchor="ctr"/>
+          <a:lstStyle/>
+          <a:p>
+            <a:pPr algn="ctr"/>
+            <a:endParaRPr lang="en-US"/>
+          </a:p>
+        </p:txBody>
+      </p:sp>
+      <p:sp>
+        <p:nvSpPr>
+          <p:cNvPr id="5" name="Rectangle 4"/>
+          <p:cNvSpPr/>
+          <p:nvPr/>
+        </p:nvSpPr>
+        <p:spPr>
+          <a:xfrm>
+            <a:off x="5446703" y="2406478"/>
+            <a:ext cx="118277" cy="3053442"/>
+          </a:xfrm>
+          <a:prstGeom prst="rect">
+            <a:avLst/>
+          </a:prstGeom>
+          <a:solidFill>
+            <a:schemeClr val="tx1">
+              <a:lumMod val="95000"/>
+              <a:lumOff val="5000"/>
+            </a:schemeClr>
+          </a:solidFill>
+          <a:ln>
+            <a:solidFill>
+              <a:schemeClr val="tx1">
+                <a:lumMod val="95000"/>
+                <a:lumOff val="5000"/>
+              </a:schemeClr>
+            </a:solidFill>
+          </a:ln>
+        </p:spPr>
+        <p:style>
+          <a:lnRef idx="2">
+            <a:schemeClr val="accent1">
+              <a:shade val="50000"/>
+            </a:schemeClr>
+          </a:lnRef>
+          <a:fillRef idx="1">
+            <a:schemeClr val="accent1"/>
+          </a:fillRef>
+          <a:effectRef idx="0">
+            <a:schemeClr val="accent1"/>
+          </a:effectRef>
+          <a:fontRef idx="minor">
+            <a:schemeClr val="lt1"/>
+          </a:fontRef>
+        </p:style>
+        <p:txBody>
+          <a:bodyPr rtlCol="0" anchor="ctr"/>
+          <a:lstStyle/>
+          <a:p>
+            <a:pPr algn="ctr"/>
+            <a:endParaRPr lang="en-US"/>
+          </a:p>
+        </p:txBody>
+      </p:sp>
+      <p:sp>
+        <p:nvSpPr>
+          <p:cNvPr id="6" name="Rectangle 5"/>
+          <p:cNvSpPr/>
+          <p:nvPr/>
+        </p:nvSpPr>
+        <p:spPr>
+          <a:xfrm>
+            <a:off x="4544330" y="2710543"/>
+            <a:ext cx="1938113" cy="1900601"/>
+          </a:xfrm>
+          <a:prstGeom prst="rect">
+            <a:avLst/>
+          </a:prstGeom>
+        </p:spPr>
+        <p:style>
+          <a:lnRef idx="2">
+            <a:schemeClr val="accent1">
+              <a:shade val="50000"/>
+            </a:schemeClr>
+          </a:lnRef>
+          <a:fillRef idx="1">
+            <a:schemeClr val="accent1"/>
+          </a:fillRef>
+          <a:effectRef idx="0">
+            <a:schemeClr val="accent1"/>
+          </a:effectRef>
+          <a:fontRef idx="minor">
+            <a:schemeClr val="lt1"/>
+          </a:fontRef>
+        </p:style>
+        <p:txBody>
+          <a:bodyPr rtlCol="0" anchor="ctr"/>
+          <a:lstStyle/>
+          <a:p>
+            <a:pPr algn="ctr"/>
+            <a:endParaRPr lang="en-US"/>
+          </a:p>
+        </p:txBody>
+      </p:sp>
+      <p:sp>
+        <p:nvSpPr>
+          <p:cNvPr id="7" name="Can 6"/>
+          <p:cNvSpPr/>
+          <p:nvPr/>
+        </p:nvSpPr>
+        <p:spPr>
+          <a:xfrm rot="16200000">
+            <a:off x="3635687" y="3581186"/>
+            <a:ext cx="1550488" cy="266400"/>
+          </a:xfrm>
+          <a:prstGeom prst="can">
+            <a:avLst>
+              <a:gd name="adj" fmla="val 50000"/>
+            </a:avLst>
+          </a:prstGeom>
+        </p:spPr>
+        <p:style>
+          <a:lnRef idx="2">
+            <a:schemeClr val="accent1">
+              <a:shade val="50000"/>
+            </a:schemeClr>
+          </a:lnRef>
+          <a:fillRef idx="1">
+            <a:schemeClr val="accent1"/>
+          </a:fillRef>
+          <a:effectRef idx="0">
+            <a:schemeClr val="accent1"/>
+          </a:effectRef>
+          <a:fontRef idx="minor">
+            <a:schemeClr val="lt1"/>
+          </a:fontRef>
+        </p:style>
+        <p:txBody>
+          <a:bodyPr rtlCol="0" anchor="ctr"/>
+          <a:lstStyle/>
+          <a:p>
+            <a:pPr algn="ctr"/>
+            <a:endParaRPr lang="en-US"/>
+          </a:p>
+        </p:txBody>
+      </p:sp>
+      <p:sp>
+        <p:nvSpPr>
+          <p:cNvPr id="8" name="Can 7"/>
+          <p:cNvSpPr/>
+          <p:nvPr/>
+        </p:nvSpPr>
+        <p:spPr>
+          <a:xfrm rot="5400000">
+            <a:off x="5825309" y="3610593"/>
+            <a:ext cx="1550488" cy="266400"/>
+          </a:xfrm>
+          <a:prstGeom prst="can">
+            <a:avLst>
+              <a:gd name="adj" fmla="val 50000"/>
+            </a:avLst>
+          </a:prstGeom>
+        </p:spPr>
+        <p:style>
+          <a:lnRef idx="2">
+            <a:schemeClr val="accent1">
+              <a:shade val="50000"/>
+            </a:schemeClr>
+          </a:lnRef>
+          <a:fillRef idx="1">
+            <a:schemeClr val="accent1"/>
+          </a:fillRef>
+          <a:effectRef idx="0">
+            <a:schemeClr val="accent1"/>
+          </a:effectRef>
+          <a:fontRef idx="minor">
+            <a:schemeClr val="lt1"/>
+          </a:fontRef>
+        </p:style>
+        <p:txBody>
+          <a:bodyPr rtlCol="0" anchor="ctr"/>
+          <a:lstStyle/>
+          <a:p>
+            <a:pPr algn="ctr"/>
+            <a:endParaRPr lang="en-US"/>
+          </a:p>
+        </p:txBody>
+      </p:sp>
+      <mc:AlternateContent xmlns:mc="http://schemas.openxmlformats.org/markup-compatibility/2006">
+        <mc:Choice xmlns:a14="http://schemas.microsoft.com/office/drawing/2010/main" Requires="a14">
+          <p:sp>
+            <p:nvSpPr>
+              <p:cNvPr id="9" name="Snip Same Side Corner Rectangle 8"/>
+              <p:cNvSpPr/>
+              <p:nvPr/>
+            </p:nvSpPr>
+            <p:spPr>
+              <a:xfrm>
+                <a:off x="4699111" y="2334985"/>
+                <a:ext cx="337606" cy="462646"/>
+              </a:xfrm>
+              <a:prstGeom prst="snip2SameRect">
+                <a:avLst/>
+              </a:prstGeom>
+              <a:solidFill>
+                <a:srgbClr val="92D050"/>
+              </a:solidFill>
+              <a:ln>
+                <a:solidFill>
+                  <a:srgbClr val="92D050"/>
+                </a:solidFill>
+              </a:ln>
+            </p:spPr>
+            <p:style>
+              <a:lnRef idx="2">
+                <a:schemeClr val="accent1">
+                  <a:shade val="50000"/>
+                </a:schemeClr>
+              </a:lnRef>
+              <a:fillRef idx="1">
+                <a:schemeClr val="accent1"/>
+              </a:fillRef>
+              <a:effectRef idx="0">
+                <a:schemeClr val="accent1"/>
+              </a:effectRef>
+              <a:fontRef idx="minor">
+                <a:schemeClr val="lt1"/>
+              </a:fontRef>
+            </p:style>
+            <p:txBody>
+              <a:bodyPr rtlCol="0" anchor="ctr"/>
+              <a:lstStyle/>
+              <a:p>
+                <a:pPr algn="ctr"/>
+                <a14:m>
+                  <m:oMathPara xmlns:m="http://schemas.openxmlformats.org/officeDocument/2006/math">
+                    <m:oMathParaPr>
+                      <m:jc m:val="center"/>
+                    </m:oMathParaPr>
+                    <m:oMath xmlns:m="http://schemas.openxmlformats.org/officeDocument/2006/math">
+                      <m:r>
+                        <a:rPr lang="it-IT" sz="3200" b="0" i="1" smtClean="0">
+                          <a:latin typeface="Cambria Math" charset="0"/>
+                        </a:rPr>
+                        <m:t> </m:t>
+                      </m:r>
+                      <m:r>
+                        <a:rPr lang="it-IT" sz="3200" b="0" i="1" smtClean="0">
+                          <a:latin typeface="Cambria Math" charset="0"/>
+                        </a:rPr>
+                        <m:t>𝐿</m:t>
+                      </m:r>
+                    </m:oMath>
+                  </m:oMathPara>
+                </a14:m>
+                <a:endParaRPr lang="en-US" sz="3200" dirty="0"/>
+              </a:p>
+            </p:txBody>
+          </p:sp>
+        </mc:Choice>
+        <mc:Fallback>
+          <p:sp>
+            <p:nvSpPr>
+              <p:cNvPr id="9" name="Snip Same Side Corner Rectangle 8"/>
+              <p:cNvSpPr>
+                <a:spLocks noRot="1" noChangeAspect="1" noMove="1" noResize="1" noEditPoints="1" noAdjustHandles="1" noChangeArrowheads="1" noChangeShapeType="1" noTextEdit="1"/>
+              </p:cNvSpPr>
+              <p:nvPr/>
+            </p:nvSpPr>
+            <p:spPr>
+              <a:xfrm>
+                <a:off x="4699111" y="2334985"/>
+                <a:ext cx="337606" cy="462646"/>
+              </a:xfrm>
+              <a:prstGeom prst="snip2SameRect">
+                <a:avLst/>
+              </a:prstGeom>
+              <a:blipFill rotWithShape="0">
+                <a:blip r:embed="rId2"/>
+                <a:stretch>
+                  <a:fillRect/>
+                </a:stretch>
+              </a:blipFill>
+              <a:ln>
+                <a:solidFill>
+                  <a:srgbClr val="92D050"/>
+                </a:solidFill>
+              </a:ln>
+            </p:spPr>
+            <p:txBody>
+              <a:bodyPr/>
+              <a:lstStyle/>
+              <a:p>
+                <a:r>
+                  <a:rPr lang="en-US">
+                    <a:noFill/>
+                  </a:rPr>
+                  <a:t> </a:t>
+                </a:r>
+              </a:p>
+            </p:txBody>
+          </p:sp>
+        </mc:Fallback>
+      </mc:AlternateContent>
+      <mc:AlternateContent xmlns:mc="http://schemas.openxmlformats.org/markup-compatibility/2006">
+        <mc:Choice xmlns:a14="http://schemas.microsoft.com/office/drawing/2010/main" Requires="a14">
+          <p:sp>
+            <p:nvSpPr>
+              <p:cNvPr id="10" name="Snip Same Side Corner Rectangle 9"/>
+              <p:cNvSpPr/>
+              <p:nvPr/>
+            </p:nvSpPr>
+            <p:spPr>
+              <a:xfrm>
+                <a:off x="5344583" y="2334983"/>
+                <a:ext cx="337606" cy="462646"/>
+              </a:xfrm>
+              <a:prstGeom prst="snip2SameRect">
+                <a:avLst/>
+              </a:prstGeom>
+              <a:solidFill>
+                <a:srgbClr val="92D050"/>
+              </a:solidFill>
+              <a:ln>
+                <a:solidFill>
+                  <a:srgbClr val="92D050"/>
+                </a:solidFill>
+              </a:ln>
+            </p:spPr>
+            <p:style>
+              <a:lnRef idx="2">
+                <a:schemeClr val="accent1">
+                  <a:shade val="50000"/>
+                </a:schemeClr>
+              </a:lnRef>
+              <a:fillRef idx="1">
+                <a:schemeClr val="accent1"/>
+              </a:fillRef>
+              <a:effectRef idx="0">
+                <a:schemeClr val="accent1"/>
+              </a:effectRef>
+              <a:fontRef idx="minor">
+                <a:schemeClr val="lt1"/>
+              </a:fontRef>
+            </p:style>
+            <p:txBody>
+              <a:bodyPr rtlCol="0" anchor="ctr"/>
+              <a:lstStyle/>
+              <a:p>
+                <a:pPr algn="ctr"/>
+                <a14:m>
+                  <m:oMathPara xmlns:m="http://schemas.openxmlformats.org/officeDocument/2006/math">
+                    <m:oMathParaPr>
+                      <m:jc m:val="center"/>
+                    </m:oMathParaPr>
+                    <m:oMath xmlns:m="http://schemas.openxmlformats.org/officeDocument/2006/math">
+                      <m:r>
+                        <a:rPr lang="it-IT" sz="3200" b="0" i="1" smtClean="0">
+                          <a:latin typeface="Cambria Math" charset="0"/>
+                        </a:rPr>
+                        <m:t> </m:t>
+                      </m:r>
+                      <m:r>
+                        <a:rPr lang="it-IT" sz="3200" b="0" i="1" smtClean="0">
+                          <a:latin typeface="Cambria Math" charset="0"/>
+                        </a:rPr>
+                        <m:t>𝐶</m:t>
+                      </m:r>
+                    </m:oMath>
+                  </m:oMathPara>
+                </a14:m>
+                <a:endParaRPr lang="en-US" sz="3200" dirty="0"/>
+              </a:p>
+            </p:txBody>
+          </p:sp>
+        </mc:Choice>
+        <mc:Fallback>
+          <p:sp>
+            <p:nvSpPr>
+              <p:cNvPr id="10" name="Snip Same Side Corner Rectangle 9"/>
+              <p:cNvSpPr>
+                <a:spLocks noRot="1" noChangeAspect="1" noMove="1" noResize="1" noEditPoints="1" noAdjustHandles="1" noChangeArrowheads="1" noChangeShapeType="1" noTextEdit="1"/>
+              </p:cNvSpPr>
+              <p:nvPr/>
+            </p:nvSpPr>
+            <p:spPr>
+              <a:xfrm>
+                <a:off x="5344583" y="2334983"/>
+                <a:ext cx="337606" cy="462646"/>
+              </a:xfrm>
+              <a:prstGeom prst="snip2SameRect">
+                <a:avLst/>
+              </a:prstGeom>
+              <a:blipFill rotWithShape="0">
+                <a:blip r:embed="rId3"/>
+                <a:stretch>
+                  <a:fillRect/>
+                </a:stretch>
+              </a:blipFill>
+              <a:ln>
+                <a:solidFill>
+                  <a:srgbClr val="92D050"/>
+                </a:solidFill>
+              </a:ln>
+            </p:spPr>
+            <p:txBody>
+              <a:bodyPr/>
+              <a:lstStyle/>
+              <a:p>
+                <a:r>
+                  <a:rPr lang="en-US">
+                    <a:noFill/>
+                  </a:rPr>
+                  <a:t> </a:t>
+                </a:r>
+              </a:p>
+            </p:txBody>
+          </p:sp>
+        </mc:Fallback>
+      </mc:AlternateContent>
+      <mc:AlternateContent xmlns:mc="http://schemas.openxmlformats.org/markup-compatibility/2006">
+        <mc:Choice xmlns:a14="http://schemas.microsoft.com/office/drawing/2010/main" Requires="a14">
+          <p:sp>
+            <p:nvSpPr>
+              <p:cNvPr id="11" name="Snip Same Side Corner Rectangle 10"/>
+              <p:cNvSpPr/>
+              <p:nvPr/>
+            </p:nvSpPr>
+            <p:spPr>
+              <a:xfrm>
+                <a:off x="5990055" y="2340423"/>
+                <a:ext cx="337606" cy="462646"/>
+              </a:xfrm>
+              <a:prstGeom prst="snip2SameRect">
+                <a:avLst/>
+              </a:prstGeom>
+              <a:solidFill>
+                <a:srgbClr val="92D050"/>
+              </a:solidFill>
+              <a:ln>
+                <a:solidFill>
+                  <a:srgbClr val="92D050"/>
+                </a:solidFill>
+              </a:ln>
+            </p:spPr>
+            <p:style>
+              <a:lnRef idx="2">
+                <a:schemeClr val="accent1">
+                  <a:shade val="50000"/>
+                </a:schemeClr>
+              </a:lnRef>
+              <a:fillRef idx="1">
+                <a:schemeClr val="accent1"/>
+              </a:fillRef>
+              <a:effectRef idx="0">
+                <a:schemeClr val="accent1"/>
+              </a:effectRef>
+              <a:fontRef idx="minor">
+                <a:schemeClr val="lt1"/>
+              </a:fontRef>
+            </p:style>
+            <p:txBody>
+              <a:bodyPr rtlCol="0" anchor="ctr"/>
+              <a:lstStyle/>
+              <a:p>
+                <a:pPr algn="ctr"/>
+                <a14:m>
+                  <m:oMathPara xmlns:m="http://schemas.openxmlformats.org/officeDocument/2006/math">
+                    <m:oMathParaPr>
+                      <m:jc m:val="center"/>
+                    </m:oMathParaPr>
+                    <m:oMath xmlns:m="http://schemas.openxmlformats.org/officeDocument/2006/math">
+                      <m:r>
+                        <a:rPr lang="it-IT" sz="3200" b="0" i="1" smtClean="0">
+                          <a:latin typeface="Cambria Math" charset="0"/>
+                        </a:rPr>
+                        <m:t> </m:t>
+                      </m:r>
+                      <m:r>
+                        <a:rPr lang="it-IT" sz="3200" b="0" i="1" smtClean="0">
+                          <a:latin typeface="Cambria Math" charset="0"/>
+                        </a:rPr>
+                        <m:t>𝑅</m:t>
+                      </m:r>
+                    </m:oMath>
+                  </m:oMathPara>
+                </a14:m>
+                <a:endParaRPr lang="en-US" sz="3200" dirty="0"/>
+              </a:p>
+            </p:txBody>
+          </p:sp>
+        </mc:Choice>
+        <mc:Fallback>
+          <p:sp>
+            <p:nvSpPr>
+              <p:cNvPr id="11" name="Snip Same Side Corner Rectangle 10"/>
+              <p:cNvSpPr>
+                <a:spLocks noRot="1" noChangeAspect="1" noMove="1" noResize="1" noEditPoints="1" noAdjustHandles="1" noChangeArrowheads="1" noChangeShapeType="1" noTextEdit="1"/>
+              </p:cNvSpPr>
+              <p:nvPr/>
+            </p:nvSpPr>
+            <p:spPr>
+              <a:xfrm>
+                <a:off x="5990055" y="2340423"/>
+                <a:ext cx="337606" cy="462646"/>
+              </a:xfrm>
+              <a:prstGeom prst="snip2SameRect">
+                <a:avLst/>
+              </a:prstGeom>
+              <a:blipFill rotWithShape="0">
+                <a:blip r:embed="rId4"/>
+                <a:stretch>
+                  <a:fillRect/>
+                </a:stretch>
+              </a:blipFill>
+              <a:ln>
+                <a:solidFill>
+                  <a:srgbClr val="92D050"/>
+                </a:solidFill>
+              </a:ln>
+            </p:spPr>
+            <p:txBody>
+              <a:bodyPr/>
+              <a:lstStyle/>
+              <a:p>
+                <a:r>
+                  <a:rPr lang="en-US">
+                    <a:noFill/>
+                  </a:rPr>
+                  <a:t> </a:t>
+                </a:r>
+              </a:p>
+            </p:txBody>
+          </p:sp>
+        </mc:Fallback>
+      </mc:AlternateContent>
+    </p:spTree>
+    <p:extLst>
+      <p:ext uri="{BB962C8B-B14F-4D97-AF65-F5344CB8AC3E}">
+        <p14:creationId xmlns:p14="http://schemas.microsoft.com/office/powerpoint/2010/main" val="838400708"/>
       </p:ext>
     </p:extLst>
   </p:cSld>
@@ -7424,8 +8646,8 @@
           </a:fontRef>
         </p:style>
       </p:cxnSp>
-      <mc:AlternateContent xmlns:mc="http://schemas.openxmlformats.org/markup-compatibility/2006">
-        <mc:Choice xmlns:a14="http://schemas.microsoft.com/office/drawing/2010/main" Requires="a14">
+      <mc:AlternateContent xmlns:mc="http://schemas.openxmlformats.org/markup-compatibility/2006" xmlns:a14="http://schemas.microsoft.com/office/drawing/2010/main">
+        <mc:Choice Requires="a14">
           <p:sp>
             <p:nvSpPr>
               <p:cNvPr id="56" name="Snip Same Side Corner Rectangle 55"/>
@@ -7496,7 +8718,7 @@
             </p:txBody>
           </p:sp>
         </mc:Choice>
-        <mc:Fallback>
+        <mc:Fallback xmlns="">
           <p:sp>
             <p:nvSpPr>
               <p:cNvPr id="56" name="Snip Same Side Corner Rectangle 55"/>
@@ -7540,8 +8762,8 @@
           </p:sp>
         </mc:Fallback>
       </mc:AlternateContent>
-      <mc:AlternateContent xmlns:mc="http://schemas.openxmlformats.org/markup-compatibility/2006">
-        <mc:Choice xmlns:a14="http://schemas.microsoft.com/office/drawing/2010/main" Requires="a14">
+      <mc:AlternateContent xmlns:mc="http://schemas.openxmlformats.org/markup-compatibility/2006" xmlns:a14="http://schemas.microsoft.com/office/drawing/2010/main">
+        <mc:Choice Requires="a14">
           <p:sp>
             <p:nvSpPr>
               <p:cNvPr id="57" name="Snip Same Side Corner Rectangle 56"/>
@@ -7612,7 +8834,7 @@
             </p:txBody>
           </p:sp>
         </mc:Choice>
-        <mc:Fallback>
+        <mc:Fallback xmlns="">
           <p:sp>
             <p:nvSpPr>
               <p:cNvPr id="57" name="Snip Same Side Corner Rectangle 56"/>
@@ -7656,8 +8878,8 @@
           </p:sp>
         </mc:Fallback>
       </mc:AlternateContent>
-      <mc:AlternateContent xmlns:mc="http://schemas.openxmlformats.org/markup-compatibility/2006">
-        <mc:Choice xmlns:a14="http://schemas.microsoft.com/office/drawing/2010/main" Requires="a14">
+      <mc:AlternateContent xmlns:mc="http://schemas.openxmlformats.org/markup-compatibility/2006" xmlns:a14="http://schemas.microsoft.com/office/drawing/2010/main">
+        <mc:Choice Requires="a14">
           <p:sp>
             <p:nvSpPr>
               <p:cNvPr id="58" name="Snip Same Side Corner Rectangle 57"/>
@@ -7728,7 +8950,7 @@
             </p:txBody>
           </p:sp>
         </mc:Choice>
-        <mc:Fallback>
+        <mc:Fallback xmlns="">
           <p:sp>
             <p:nvSpPr>
               <p:cNvPr id="58" name="Snip Same Side Corner Rectangle 57"/>
@@ -7980,8 +9202,8 @@
           </a:p>
         </p:txBody>
       </p:sp>
-      <mc:AlternateContent xmlns:mc="http://schemas.openxmlformats.org/markup-compatibility/2006">
-        <mc:Choice xmlns:a14="http://schemas.microsoft.com/office/drawing/2010/main" Requires="a14">
+      <mc:AlternateContent xmlns:mc="http://schemas.openxmlformats.org/markup-compatibility/2006" xmlns:a14="http://schemas.microsoft.com/office/drawing/2010/main">
+        <mc:Choice Requires="a14">
           <p:sp>
             <p:nvSpPr>
               <p:cNvPr id="10" name="Snip Same Side Corner Rectangle 9"/>
@@ -8052,7 +9274,7 @@
             </p:txBody>
           </p:sp>
         </mc:Choice>
-        <mc:Fallback>
+        <mc:Fallback xmlns="">
           <p:sp>
             <p:nvSpPr>
               <p:cNvPr id="10" name="Snip Same Side Corner Rectangle 9"/>
@@ -8096,8 +9318,8 @@
           </p:sp>
         </mc:Fallback>
       </mc:AlternateContent>
-      <mc:AlternateContent xmlns:mc="http://schemas.openxmlformats.org/markup-compatibility/2006">
-        <mc:Choice xmlns:a14="http://schemas.microsoft.com/office/drawing/2010/main" Requires="a14">
+      <mc:AlternateContent xmlns:mc="http://schemas.openxmlformats.org/markup-compatibility/2006" xmlns:a14="http://schemas.microsoft.com/office/drawing/2010/main">
+        <mc:Choice Requires="a14">
           <p:sp>
             <p:nvSpPr>
               <p:cNvPr id="14" name="Snip Same Side Corner Rectangle 13"/>
@@ -8168,7 +9390,7 @@
             </p:txBody>
           </p:sp>
         </mc:Choice>
-        <mc:Fallback>
+        <mc:Fallback xmlns="">
           <p:sp>
             <p:nvSpPr>
               <p:cNvPr id="14" name="Snip Same Side Corner Rectangle 13"/>
@@ -8212,8 +9434,8 @@
           </p:sp>
         </mc:Fallback>
       </mc:AlternateContent>
-      <mc:AlternateContent xmlns:mc="http://schemas.openxmlformats.org/markup-compatibility/2006">
-        <mc:Choice xmlns:a14="http://schemas.microsoft.com/office/drawing/2010/main" Requires="a14">
+      <mc:AlternateContent xmlns:mc="http://schemas.openxmlformats.org/markup-compatibility/2006" xmlns:a14="http://schemas.microsoft.com/office/drawing/2010/main">
+        <mc:Choice Requires="a14">
           <p:sp>
             <p:nvSpPr>
               <p:cNvPr id="15" name="Snip Same Side Corner Rectangle 14"/>
@@ -8284,7 +9506,7 @@
             </p:txBody>
           </p:sp>
         </mc:Choice>
-        <mc:Fallback>
+        <mc:Fallback xmlns="">
           <p:sp>
             <p:nvSpPr>
               <p:cNvPr id="15" name="Snip Same Side Corner Rectangle 14"/>
